--- a/PPTs/726.pptx
+++ b/PPTs/726.pptx
@@ -24148,7 +24148,7 @@
           <a:p>
             <a:fld id="{CCB236BB-53DE-4462-8C4F-7698E6995948}" type="datetimeFigureOut">
               <a:rPr lang="en-IN" smtClean="0"/>
-              <a:t>07-02-2021</a:t>
+              <a:t>21-03-2021</a:t>
             </a:fld>
             <a:endParaRPr lang="en-IN" dirty="0"/>
           </a:p>
@@ -24348,7 +24348,7 @@
           <a:p>
             <a:fld id="{CCB236BB-53DE-4462-8C4F-7698E6995948}" type="datetimeFigureOut">
               <a:rPr lang="en-IN" smtClean="0"/>
-              <a:t>07-02-2021</a:t>
+              <a:t>21-03-2021</a:t>
             </a:fld>
             <a:endParaRPr lang="en-IN" dirty="0"/>
           </a:p>
@@ -24558,7 +24558,7 @@
           <a:p>
             <a:fld id="{CCB236BB-53DE-4462-8C4F-7698E6995948}" type="datetimeFigureOut">
               <a:rPr lang="en-IN" smtClean="0"/>
-              <a:t>07-02-2021</a:t>
+              <a:t>21-03-2021</a:t>
             </a:fld>
             <a:endParaRPr lang="en-IN" dirty="0"/>
           </a:p>
@@ -24758,7 +24758,7 @@
           <a:p>
             <a:fld id="{CCB236BB-53DE-4462-8C4F-7698E6995948}" type="datetimeFigureOut">
               <a:rPr lang="en-IN" smtClean="0"/>
-              <a:t>07-02-2021</a:t>
+              <a:t>21-03-2021</a:t>
             </a:fld>
             <a:endParaRPr lang="en-IN" dirty="0"/>
           </a:p>
@@ -25034,7 +25034,7 @@
           <a:p>
             <a:fld id="{CCB236BB-53DE-4462-8C4F-7698E6995948}" type="datetimeFigureOut">
               <a:rPr lang="en-IN" smtClean="0"/>
-              <a:t>07-02-2021</a:t>
+              <a:t>21-03-2021</a:t>
             </a:fld>
             <a:endParaRPr lang="en-IN" dirty="0"/>
           </a:p>
@@ -25302,7 +25302,7 @@
           <a:p>
             <a:fld id="{CCB236BB-53DE-4462-8C4F-7698E6995948}" type="datetimeFigureOut">
               <a:rPr lang="en-IN" smtClean="0"/>
-              <a:t>07-02-2021</a:t>
+              <a:t>21-03-2021</a:t>
             </a:fld>
             <a:endParaRPr lang="en-IN" dirty="0"/>
           </a:p>
@@ -25717,7 +25717,7 @@
           <a:p>
             <a:fld id="{CCB236BB-53DE-4462-8C4F-7698E6995948}" type="datetimeFigureOut">
               <a:rPr lang="en-IN" smtClean="0"/>
-              <a:t>07-02-2021</a:t>
+              <a:t>21-03-2021</a:t>
             </a:fld>
             <a:endParaRPr lang="en-IN" dirty="0"/>
           </a:p>
@@ -25859,7 +25859,7 @@
           <a:p>
             <a:fld id="{CCB236BB-53DE-4462-8C4F-7698E6995948}" type="datetimeFigureOut">
               <a:rPr lang="en-IN" smtClean="0"/>
-              <a:t>07-02-2021</a:t>
+              <a:t>21-03-2021</a:t>
             </a:fld>
             <a:endParaRPr lang="en-IN" dirty="0"/>
           </a:p>
@@ -25972,7 +25972,7 @@
           <a:p>
             <a:fld id="{CCB236BB-53DE-4462-8C4F-7698E6995948}" type="datetimeFigureOut">
               <a:rPr lang="en-IN" smtClean="0"/>
-              <a:t>07-02-2021</a:t>
+              <a:t>21-03-2021</a:t>
             </a:fld>
             <a:endParaRPr lang="en-IN" dirty="0"/>
           </a:p>
@@ -26285,7 +26285,7 @@
           <a:p>
             <a:fld id="{CCB236BB-53DE-4462-8C4F-7698E6995948}" type="datetimeFigureOut">
               <a:rPr lang="en-IN" smtClean="0"/>
-              <a:t>07-02-2021</a:t>
+              <a:t>21-03-2021</a:t>
             </a:fld>
             <a:endParaRPr lang="en-IN" dirty="0"/>
           </a:p>
@@ -26574,7 +26574,7 @@
           <a:p>
             <a:fld id="{CCB236BB-53DE-4462-8C4F-7698E6995948}" type="datetimeFigureOut">
               <a:rPr lang="en-IN" smtClean="0"/>
-              <a:t>07-02-2021</a:t>
+              <a:t>21-03-2021</a:t>
             </a:fld>
             <a:endParaRPr lang="en-IN" dirty="0"/>
           </a:p>
@@ -26820,7 +26820,7 @@
           <a:p>
             <a:fld id="{CCB236BB-53DE-4462-8C4F-7698E6995948}" type="datetimeFigureOut">
               <a:rPr lang="en-IN" smtClean="0"/>
-              <a:t>07-02-2021</a:t>
+              <a:t>21-03-2021</a:t>
             </a:fld>
             <a:endParaRPr lang="en-IN" dirty="0"/>
           </a:p>
@@ -27531,7 +27531,7 @@
         </p:nvSpPr>
         <p:spPr>
           <a:xfrm>
-            <a:off x="0" y="5382900"/>
+            <a:off x="0" y="5374511"/>
             <a:ext cx="12192000" cy="1446550"/>
           </a:xfrm>
           <a:prstGeom prst="rect">
@@ -27752,7 +27752,7 @@
         </p:nvSpPr>
         <p:spPr>
           <a:xfrm>
-            <a:off x="-1" y="5452258"/>
+            <a:off x="-1" y="5443869"/>
             <a:ext cx="12191999" cy="1354217"/>
           </a:xfrm>
           <a:prstGeom prst="rect">
@@ -27981,7 +27981,7 @@
         </p:nvSpPr>
         <p:spPr>
           <a:xfrm>
-            <a:off x="0" y="5382903"/>
+            <a:off x="0" y="5374514"/>
             <a:ext cx="12192000" cy="1446550"/>
           </a:xfrm>
           <a:prstGeom prst="rect">
